--- a/Grid.pptx
+++ b/Grid.pptx
@@ -5,12 +5,16 @@
     <p:sldMasterId id="2147483648" r:id="rId1"/>
   </p:sldMasterIdLst>
   <p:notesMasterIdLst>
-    <p:notesMasterId r:id="rId5"/>
+    <p:notesMasterId r:id="rId9"/>
   </p:notesMasterIdLst>
   <p:sldIdLst>
     <p:sldId id="256" r:id="rId2"/>
-    <p:sldId id="259" r:id="rId3"/>
-    <p:sldId id="260" r:id="rId4"/>
+    <p:sldId id="265" r:id="rId3"/>
+    <p:sldId id="259" r:id="rId4"/>
+    <p:sldId id="263" r:id="rId5"/>
+    <p:sldId id="264" r:id="rId6"/>
+    <p:sldId id="262" r:id="rId7"/>
+    <p:sldId id="260" r:id="rId8"/>
   </p:sldIdLst>
   <p:sldSz cx="12192000" cy="6858000"/>
   <p:notesSz cx="6858000" cy="9144000"/>
@@ -199,7 +203,7 @@
           <a:p>
             <a:fld id="{3D2B48DD-5806-E040-BB46-CF7EF7496337}" type="datetimeFigureOut">
               <a:rPr lang="en-US" smtClean="0"/>
-              <a:t>6/4/18</a:t>
+              <a:t>6/5/2018</a:t>
             </a:fld>
             <a:endParaRPr lang="en-US"/>
           </a:p>
@@ -557,7 +561,7 @@
                 <a:ea typeface="+mn-ea"/>
                 <a:cs typeface="+mn-cs"/>
               </a:rPr>
-              <a:t>For the first time ever you have much greater flexibility when changing your design without having to restructure your code.</a:t>
+              <a:t>For the first time ever you have much greater flexibility with responsive design without having to restructure your code, you want your aside to be at the bottom or the section below your header with your contact info on desktop to be at the top on a mobile breakpoint, not an issue.</a:t>
             </a:r>
           </a:p>
         </p:txBody>
@@ -644,57 +648,15 @@
           <a:p>
             <a:r>
               <a:rPr lang="en-US" dirty="0"/>
-              <a:t>With Flexbox the content,</a:t>
-            </a:r>
-            <a:r>
-              <a:rPr lang="en-US" baseline="0" dirty="0"/>
-              <a:t> to some degree, decides the layout. With Grid you are putting your structure first and foremost.</a:t>
-            </a:r>
-            <a:endParaRPr lang="en-US" dirty="0"/>
-          </a:p>
-          <a:p>
-            <a:endParaRPr lang="en-US" dirty="0"/>
-          </a:p>
-          <a:p>
-            <a:r>
-              <a:rPr lang="en-US" dirty="0"/>
-              <a:t>Similar items – lists of items</a:t>
-            </a:r>
-          </a:p>
-          <a:p>
-            <a:endParaRPr lang="en-US" dirty="0"/>
-          </a:p>
-          <a:p>
-            <a:r>
-              <a:rPr lang="en-US" dirty="0"/>
-              <a:t>Macro elements –</a:t>
-            </a:r>
-            <a:r>
-              <a:rPr lang="en-US" baseline="0" dirty="0"/>
-              <a:t> header, footer, aside, content</a:t>
-            </a:r>
-            <a:endParaRPr lang="en-US" dirty="0"/>
-          </a:p>
-          <a:p>
-            <a:endParaRPr lang="en-US" dirty="0"/>
-          </a:p>
-          <a:p>
-            <a:r>
-              <a:rPr lang="en-US" dirty="0"/>
-              <a:t>GRID</a:t>
-            </a:r>
-            <a:r>
-              <a:rPr lang="en-US" baseline="0" dirty="0"/>
-              <a:t> – IE 10+11 supports 2011 spec</a:t>
-            </a:r>
-          </a:p>
-          <a:p>
-            <a:endParaRPr lang="en-US" baseline="0" dirty="0"/>
-          </a:p>
-          <a:p>
-            <a:r>
-              <a:rPr lang="en-US" baseline="0" dirty="0"/>
-              <a:t>Table-like support but separating content and presentation</a:t>
+              <a:t>CSS Grid is a new paradigm of layout, you are no longer restricted to switching between laying your items out in rows or columns but you </a:t>
+            </a:r>
+            <a:r>
+              <a:rPr lang="en-US"/>
+              <a:t>can put </a:t>
+            </a:r>
+            <a:r>
+              <a:rPr lang="en-US" dirty="0"/>
+              <a:t>them wherever you like</a:t>
             </a:r>
           </a:p>
         </p:txBody>
@@ -725,7 +687,7 @@
     </p:spTree>
     <p:extLst>
       <p:ext uri="{BB962C8B-B14F-4D97-AF65-F5344CB8AC3E}">
-        <p14:creationId xmlns:p14="http://schemas.microsoft.com/office/powerpoint/2010/main" val="3487503734"/>
+        <p14:creationId xmlns:p14="http://schemas.microsoft.com/office/powerpoint/2010/main" val="102270341"/>
       </p:ext>
     </p:extLst>
   </p:cSld>
@@ -781,48 +743,78 @@
           <a:p>
             <a:r>
               <a:rPr lang="en-US" dirty="0"/>
-              <a:t>Solutions</a:t>
-            </a:r>
-          </a:p>
-          <a:p>
-            <a:r>
-              <a:rPr lang="en-US" dirty="0"/>
-              <a:t>http://www.agreatdaytocode.com/flexbox-froggy/</a:t>
-            </a:r>
-          </a:p>
-          <a:p>
-            <a:r>
-              <a:rPr lang="en-US" dirty="0"/>
-              <a:t>https://programmingmentor.com/post/playing-css-grid-garden/</a:t>
-            </a:r>
-          </a:p>
-          <a:p>
-            <a:endParaRPr lang="en-US" dirty="0"/>
-          </a:p>
-          <a:p>
-            <a:r>
-              <a:rPr lang="en-US" dirty="0"/>
-              <a:t>Grid</a:t>
+              <a:t>So why don’t I just do the whole site in Flexbox?</a:t>
+            </a:r>
+          </a:p>
+          <a:p>
+            <a:endParaRPr lang="en-US" dirty="0"/>
+          </a:p>
+          <a:p>
+            <a:r>
+              <a:rPr lang="en-US" dirty="0"/>
+              <a:t>With Flexbox the content,</a:t>
             </a:r>
             <a:r>
               <a:rPr lang="en-US" baseline="0" dirty="0"/>
-              <a:t> by Design is by Rachel Andrew</a:t>
-            </a:r>
-            <a:endParaRPr lang="en-US" dirty="0"/>
-          </a:p>
-          <a:p>
-            <a:endParaRPr lang="en-US" dirty="0"/>
-          </a:p>
-          <a:p>
-            <a:r>
-              <a:rPr lang="en-US" dirty="0" err="1"/>
-              <a:t>Rgot</a:t>
+              <a:t> to some degree, decides the layout. With Grid you are putting your structure first and foremost.</a:t>
+            </a:r>
+            <a:endParaRPr lang="en-US" dirty="0"/>
+          </a:p>
+          <a:p>
+            <a:endParaRPr lang="en-US" dirty="0"/>
+          </a:p>
+          <a:p>
+            <a:r>
+              <a:rPr lang="en-US" dirty="0"/>
+              <a:t>Similar items such as lists of items would use flexbox</a:t>
+            </a:r>
+          </a:p>
+          <a:p>
+            <a:endParaRPr lang="en-US" dirty="0"/>
+          </a:p>
+          <a:p>
+            <a:r>
+              <a:rPr lang="en-US" dirty="0"/>
+              <a:t>Macro elements –</a:t>
             </a:r>
             <a:r>
               <a:rPr lang="en-US" baseline="0" dirty="0"/>
-              <a:t> notes from Richard lock</a:t>
-            </a:r>
-            <a:endParaRPr lang="en-US" dirty="0"/>
+              <a:t> header, footer, aside, content could use Grid</a:t>
+            </a:r>
+          </a:p>
+          <a:p>
+            <a:endParaRPr lang="en-US" baseline="0" dirty="0"/>
+          </a:p>
+          <a:p>
+            <a:r>
+              <a:rPr lang="en-US" baseline="0" dirty="0"/>
+              <a:t>If older browser support needs to be considered the mobile layout can use grid since it is often fairly linear.</a:t>
+            </a:r>
+          </a:p>
+          <a:p>
+            <a:endParaRPr lang="en-US" dirty="0"/>
+          </a:p>
+          <a:p>
+            <a:r>
+              <a:rPr lang="en-US" dirty="0"/>
+              <a:t>GRID</a:t>
+            </a:r>
+            <a:r>
+              <a:rPr lang="en-US" baseline="0" dirty="0"/>
+              <a:t> – IE 10+11 supports 2011 spec</a:t>
+            </a:r>
+          </a:p>
+          <a:p>
+            <a:endParaRPr lang="en-US" baseline="0" dirty="0"/>
+          </a:p>
+          <a:p>
+            <a:r>
+              <a:rPr lang="en-US" baseline="0" dirty="0"/>
+              <a:t>Grid offers Table-like support but separating content and presentation</a:t>
+            </a:r>
+          </a:p>
+          <a:p>
+            <a:endParaRPr lang="en-US" baseline="0" dirty="0"/>
           </a:p>
         </p:txBody>
       </p:sp>
@@ -844,6 +836,556 @@
             <a:fld id="{C5D4E551-1A58-3747-B1EC-993A1D0912CC}" type="slidenum">
               <a:rPr lang="en-US" smtClean="0"/>
               <a:t>3</a:t>
+            </a:fld>
+            <a:endParaRPr lang="en-US"/>
+          </a:p>
+        </p:txBody>
+      </p:sp>
+    </p:spTree>
+    <p:extLst>
+      <p:ext uri="{BB962C8B-B14F-4D97-AF65-F5344CB8AC3E}">
+        <p14:creationId xmlns:p14="http://schemas.microsoft.com/office/powerpoint/2010/main" val="3487503734"/>
+      </p:ext>
+    </p:extLst>
+  </p:cSld>
+  <p:clrMapOvr>
+    <a:masterClrMapping/>
+  </p:clrMapOvr>
+</p:notes>
+</file>
+
+<file path=ppt/notesSlides/notesSlide4.xml><?xml version="1.0" encoding="utf-8"?>
+<p:notes xmlns:a="http://schemas.openxmlformats.org/drawingml/2006/main" xmlns:r="http://schemas.openxmlformats.org/officeDocument/2006/relationships" xmlns:p="http://schemas.openxmlformats.org/presentationml/2006/main">
+  <p:cSld>
+    <p:spTree>
+      <p:nvGrpSpPr>
+        <p:cNvPr id="1" name=""/>
+        <p:cNvGrpSpPr/>
+        <p:nvPr/>
+      </p:nvGrpSpPr>
+      <p:grpSpPr>
+        <a:xfrm>
+          <a:off x="0" y="0"/>
+          <a:ext cx="0" cy="0"/>
+          <a:chOff x="0" y="0"/>
+          <a:chExt cx="0" cy="0"/>
+        </a:xfrm>
+      </p:grpSpPr>
+      <p:sp>
+        <p:nvSpPr>
+          <p:cNvPr id="2" name="Slide Image Placeholder 1"/>
+          <p:cNvSpPr>
+            <a:spLocks noGrp="1" noRot="1" noChangeAspect="1"/>
+          </p:cNvSpPr>
+          <p:nvPr>
+            <p:ph type="sldImg"/>
+          </p:nvPr>
+        </p:nvSpPr>
+        <p:spPr/>
+      </p:sp>
+      <p:sp>
+        <p:nvSpPr>
+          <p:cNvPr id="3" name="Notes Placeholder 2"/>
+          <p:cNvSpPr>
+            <a:spLocks noGrp="1"/>
+          </p:cNvSpPr>
+          <p:nvPr>
+            <p:ph type="body" idx="1"/>
+          </p:nvPr>
+        </p:nvSpPr>
+        <p:spPr/>
+        <p:txBody>
+          <a:bodyPr/>
+          <a:lstStyle/>
+          <a:p>
+            <a:r>
+              <a:rPr lang="en-US" sz="1200" b="0" i="0" u="none" strike="noStrike" kern="1200" baseline="0" dirty="0">
+                <a:solidFill>
+                  <a:schemeClr val="tx1"/>
+                </a:solidFill>
+                <a:latin typeface="+mn-lt"/>
+                <a:ea typeface="+mn-ea"/>
+                <a:cs typeface="+mn-cs"/>
+              </a:rPr>
+              <a:t>Notice the simplicity of the HTML, not only is everything just under the wrapper but all the layout is controlled by the class.</a:t>
+            </a:r>
+          </a:p>
+          <a:p>
+            <a:r>
+              <a:rPr lang="en-US" sz="1200" b="0" i="0" u="none" strike="noStrike" kern="1200" baseline="0" dirty="0">
+                <a:solidFill>
+                  <a:schemeClr val="tx1"/>
+                </a:solidFill>
+                <a:latin typeface="+mn-lt"/>
+                <a:ea typeface="+mn-ea"/>
+                <a:cs typeface="+mn-cs"/>
+              </a:rPr>
+              <a:t>You don’t have thousands of lines of CSS dictating how your site and spacing should look. </a:t>
+            </a:r>
+          </a:p>
+          <a:p>
+            <a:endParaRPr lang="en-US" sz="1200" b="0" i="0" u="none" strike="noStrike" kern="1200" baseline="0" dirty="0">
+              <a:solidFill>
+                <a:schemeClr val="tx1"/>
+              </a:solidFill>
+              <a:latin typeface="+mn-lt"/>
+              <a:ea typeface="+mn-ea"/>
+              <a:cs typeface="+mn-cs"/>
+            </a:endParaRPr>
+          </a:p>
+          <a:p>
+            <a:endParaRPr lang="en-US" sz="1200" b="0" i="0" u="none" strike="noStrike" kern="1200" baseline="0" dirty="0">
+              <a:solidFill>
+                <a:schemeClr val="tx1"/>
+              </a:solidFill>
+              <a:latin typeface="+mn-lt"/>
+              <a:ea typeface="+mn-ea"/>
+              <a:cs typeface="+mn-cs"/>
+            </a:endParaRPr>
+          </a:p>
+          <a:p>
+            <a:endParaRPr lang="en-US" dirty="0"/>
+          </a:p>
+        </p:txBody>
+      </p:sp>
+      <p:sp>
+        <p:nvSpPr>
+          <p:cNvPr id="4" name="Slide Number Placeholder 3"/>
+          <p:cNvSpPr>
+            <a:spLocks noGrp="1"/>
+          </p:cNvSpPr>
+          <p:nvPr>
+            <p:ph type="sldNum" sz="quarter" idx="10"/>
+          </p:nvPr>
+        </p:nvSpPr>
+        <p:spPr/>
+        <p:txBody>
+          <a:bodyPr/>
+          <a:lstStyle/>
+          <a:p>
+            <a:fld id="{C5D4E551-1A58-3747-B1EC-993A1D0912CC}" type="slidenum">
+              <a:rPr lang="en-US" smtClean="0"/>
+              <a:t>4</a:t>
+            </a:fld>
+            <a:endParaRPr lang="en-US"/>
+          </a:p>
+        </p:txBody>
+      </p:sp>
+    </p:spTree>
+    <p:extLst>
+      <p:ext uri="{BB962C8B-B14F-4D97-AF65-F5344CB8AC3E}">
+        <p14:creationId xmlns:p14="http://schemas.microsoft.com/office/powerpoint/2010/main" val="3739097698"/>
+      </p:ext>
+    </p:extLst>
+  </p:cSld>
+  <p:clrMapOvr>
+    <a:masterClrMapping/>
+  </p:clrMapOvr>
+</p:notes>
+</file>
+
+<file path=ppt/notesSlides/notesSlide5.xml><?xml version="1.0" encoding="utf-8"?>
+<p:notes xmlns:a="http://schemas.openxmlformats.org/drawingml/2006/main" xmlns:r="http://schemas.openxmlformats.org/officeDocument/2006/relationships" xmlns:p="http://schemas.openxmlformats.org/presentationml/2006/main">
+  <p:cSld>
+    <p:spTree>
+      <p:nvGrpSpPr>
+        <p:cNvPr id="1" name=""/>
+        <p:cNvGrpSpPr/>
+        <p:nvPr/>
+      </p:nvGrpSpPr>
+      <p:grpSpPr>
+        <a:xfrm>
+          <a:off x="0" y="0"/>
+          <a:ext cx="0" cy="0"/>
+          <a:chOff x="0" y="0"/>
+          <a:chExt cx="0" cy="0"/>
+        </a:xfrm>
+      </p:grpSpPr>
+      <p:sp>
+        <p:nvSpPr>
+          <p:cNvPr id="2" name="Slide Image Placeholder 1"/>
+          <p:cNvSpPr>
+            <a:spLocks noGrp="1" noRot="1" noChangeAspect="1"/>
+          </p:cNvSpPr>
+          <p:nvPr>
+            <p:ph type="sldImg"/>
+          </p:nvPr>
+        </p:nvSpPr>
+        <p:spPr/>
+      </p:sp>
+      <p:sp>
+        <p:nvSpPr>
+          <p:cNvPr id="3" name="Notes Placeholder 2"/>
+          <p:cNvSpPr>
+            <a:spLocks noGrp="1"/>
+          </p:cNvSpPr>
+          <p:nvPr>
+            <p:ph type="body" idx="1"/>
+          </p:nvPr>
+        </p:nvSpPr>
+        <p:spPr/>
+        <p:txBody>
+          <a:bodyPr/>
+          <a:lstStyle/>
+          <a:p>
+            <a:r>
+              <a:rPr lang="en-US" dirty="0"/>
+              <a:t>Full Support:</a:t>
+            </a:r>
+          </a:p>
+          <a:p>
+            <a:r>
+              <a:rPr lang="en-US" dirty="0"/>
+              <a:t>Edge since October 16, 2017</a:t>
+            </a:r>
+          </a:p>
+          <a:p>
+            <a:r>
+              <a:rPr lang="en-US" dirty="0"/>
+              <a:t>Firefox March 6</a:t>
+            </a:r>
+            <a:r>
+              <a:rPr lang="en-US" baseline="30000" dirty="0"/>
+              <a:t>th</a:t>
+            </a:r>
+            <a:r>
+              <a:rPr lang="en-US" dirty="0"/>
+              <a:t>, 2017</a:t>
+            </a:r>
+          </a:p>
+          <a:p>
+            <a:r>
+              <a:rPr lang="en-US" dirty="0"/>
+              <a:t>Chrome March 8</a:t>
+            </a:r>
+            <a:r>
+              <a:rPr lang="en-US" baseline="30000" dirty="0"/>
+              <a:t>th</a:t>
+            </a:r>
+            <a:r>
+              <a:rPr lang="en-US" dirty="0"/>
+              <a:t>, 2017</a:t>
+            </a:r>
+          </a:p>
+          <a:p>
+            <a:r>
+              <a:rPr lang="en-US" dirty="0"/>
+              <a:t>Safari March 26</a:t>
+            </a:r>
+            <a:r>
+              <a:rPr lang="en-US" baseline="30000" dirty="0"/>
+              <a:t>th</a:t>
+            </a:r>
+            <a:r>
+              <a:rPr lang="en-US" dirty="0"/>
+              <a:t>, 2017</a:t>
+            </a:r>
+          </a:p>
+          <a:p>
+            <a:r>
+              <a:rPr lang="en-US" dirty="0"/>
+              <a:t>Opera March 20</a:t>
+            </a:r>
+            <a:r>
+              <a:rPr lang="en-US" baseline="30000" dirty="0"/>
+              <a:t>th</a:t>
+            </a:r>
+            <a:r>
+              <a:rPr lang="en-US" dirty="0"/>
+              <a:t>, 2017</a:t>
+            </a:r>
+          </a:p>
+          <a:p>
+            <a:endParaRPr lang="en-US" dirty="0"/>
+          </a:p>
+          <a:p>
+            <a:r>
+              <a:rPr lang="en-US" dirty="0"/>
+              <a:t>Even when Richard Locke gave his presentation last year support has increased</a:t>
+            </a:r>
+          </a:p>
+        </p:txBody>
+      </p:sp>
+      <p:sp>
+        <p:nvSpPr>
+          <p:cNvPr id="4" name="Slide Number Placeholder 3"/>
+          <p:cNvSpPr>
+            <a:spLocks noGrp="1"/>
+          </p:cNvSpPr>
+          <p:nvPr>
+            <p:ph type="sldNum" sz="quarter" idx="10"/>
+          </p:nvPr>
+        </p:nvSpPr>
+        <p:spPr/>
+        <p:txBody>
+          <a:bodyPr/>
+          <a:lstStyle/>
+          <a:p>
+            <a:fld id="{C5D4E551-1A58-3747-B1EC-993A1D0912CC}" type="slidenum">
+              <a:rPr lang="en-US" smtClean="0"/>
+              <a:t>5</a:t>
+            </a:fld>
+            <a:endParaRPr lang="en-US"/>
+          </a:p>
+        </p:txBody>
+      </p:sp>
+    </p:spTree>
+    <p:extLst>
+      <p:ext uri="{BB962C8B-B14F-4D97-AF65-F5344CB8AC3E}">
+        <p14:creationId xmlns:p14="http://schemas.microsoft.com/office/powerpoint/2010/main" val="3393125627"/>
+      </p:ext>
+    </p:extLst>
+  </p:cSld>
+  <p:clrMapOvr>
+    <a:masterClrMapping/>
+  </p:clrMapOvr>
+</p:notes>
+</file>
+
+<file path=ppt/notesSlides/notesSlide6.xml><?xml version="1.0" encoding="utf-8"?>
+<p:notes xmlns:a="http://schemas.openxmlformats.org/drawingml/2006/main" xmlns:r="http://schemas.openxmlformats.org/officeDocument/2006/relationships" xmlns:p="http://schemas.openxmlformats.org/presentationml/2006/main">
+  <p:cSld>
+    <p:spTree>
+      <p:nvGrpSpPr>
+        <p:cNvPr id="1" name=""/>
+        <p:cNvGrpSpPr/>
+        <p:nvPr/>
+      </p:nvGrpSpPr>
+      <p:grpSpPr>
+        <a:xfrm>
+          <a:off x="0" y="0"/>
+          <a:ext cx="0" cy="0"/>
+          <a:chOff x="0" y="0"/>
+          <a:chExt cx="0" cy="0"/>
+        </a:xfrm>
+      </p:grpSpPr>
+      <p:sp>
+        <p:nvSpPr>
+          <p:cNvPr id="2" name="Slide Image Placeholder 1"/>
+          <p:cNvSpPr>
+            <a:spLocks noGrp="1" noRot="1" noChangeAspect="1"/>
+          </p:cNvSpPr>
+          <p:nvPr>
+            <p:ph type="sldImg"/>
+          </p:nvPr>
+        </p:nvSpPr>
+        <p:spPr/>
+      </p:sp>
+      <p:sp>
+        <p:nvSpPr>
+          <p:cNvPr id="3" name="Notes Placeholder 2"/>
+          <p:cNvSpPr>
+            <a:spLocks noGrp="1"/>
+          </p:cNvSpPr>
+          <p:nvPr>
+            <p:ph type="body" idx="1"/>
+          </p:nvPr>
+        </p:nvSpPr>
+        <p:spPr/>
+        <p:txBody>
+          <a:bodyPr/>
+          <a:lstStyle/>
+          <a:p>
+            <a:r>
+              <a:rPr lang="en-US" dirty="0"/>
+              <a:t>Think very similar to excel</a:t>
+            </a:r>
+          </a:p>
+          <a:p>
+            <a:r>
+              <a:rPr lang="en-US" dirty="0"/>
+              <a:t>Grid Container - Setting an item to display: grid makes it a grid container.</a:t>
+            </a:r>
+          </a:p>
+          <a:p>
+            <a:r>
+              <a:rPr lang="en-US" dirty="0"/>
+              <a:t>Grid Item - An element directly inside the grid container will be subject to the grid but its children won’t be.</a:t>
+            </a:r>
+          </a:p>
+          <a:p>
+            <a:r>
+              <a:rPr lang="en-US" dirty="0"/>
+              <a:t>Grid Line - The lines that cut the grid up into sections, left most line is 1, top line is also 1 and they count from there, they can also be named.</a:t>
+            </a:r>
+          </a:p>
+          <a:p>
+            <a:r>
+              <a:rPr lang="en-US" dirty="0"/>
+              <a:t>Grid Cell - The space between the lines.</a:t>
+            </a:r>
+          </a:p>
+          <a:p>
+            <a:r>
+              <a:rPr lang="en-US" dirty="0"/>
+              <a:t>Grid Track – these would be the rows and columns of the grid.</a:t>
+            </a:r>
+          </a:p>
+          <a:p>
+            <a:r>
+              <a:rPr lang="en-US" dirty="0"/>
+              <a:t>Grid Area – a rectangular selection of several grid cells</a:t>
+            </a:r>
+          </a:p>
+          <a:p>
+            <a:r>
+              <a:rPr lang="en-US" dirty="0"/>
+              <a:t>Grid Gap – The space between the grid tracks, also known as gutters</a:t>
+            </a:r>
+          </a:p>
+          <a:p>
+            <a:r>
+              <a:rPr lang="en-US" dirty="0"/>
+              <a:t>Implicit Lines – This is area that exceeds outside of the defined region, content out here automatically take a width of auto, meaning they will expand as needed and are harder to control.</a:t>
+            </a:r>
+          </a:p>
+        </p:txBody>
+      </p:sp>
+      <p:sp>
+        <p:nvSpPr>
+          <p:cNvPr id="4" name="Slide Number Placeholder 3"/>
+          <p:cNvSpPr>
+            <a:spLocks noGrp="1"/>
+          </p:cNvSpPr>
+          <p:nvPr>
+            <p:ph type="sldNum" sz="quarter" idx="10"/>
+          </p:nvPr>
+        </p:nvSpPr>
+        <p:spPr/>
+        <p:txBody>
+          <a:bodyPr/>
+          <a:lstStyle/>
+          <a:p>
+            <a:fld id="{C5D4E551-1A58-3747-B1EC-993A1D0912CC}" type="slidenum">
+              <a:rPr lang="en-US" smtClean="0"/>
+              <a:t>6</a:t>
+            </a:fld>
+            <a:endParaRPr lang="en-US"/>
+          </a:p>
+        </p:txBody>
+      </p:sp>
+    </p:spTree>
+    <p:extLst>
+      <p:ext uri="{BB962C8B-B14F-4D97-AF65-F5344CB8AC3E}">
+        <p14:creationId xmlns:p14="http://schemas.microsoft.com/office/powerpoint/2010/main" val="3889581935"/>
+      </p:ext>
+    </p:extLst>
+  </p:cSld>
+  <p:clrMapOvr>
+    <a:masterClrMapping/>
+  </p:clrMapOvr>
+</p:notes>
+</file>
+
+<file path=ppt/notesSlides/notesSlide7.xml><?xml version="1.0" encoding="utf-8"?>
+<p:notes xmlns:a="http://schemas.openxmlformats.org/drawingml/2006/main" xmlns:r="http://schemas.openxmlformats.org/officeDocument/2006/relationships" xmlns:p="http://schemas.openxmlformats.org/presentationml/2006/main">
+  <p:cSld>
+    <p:spTree>
+      <p:nvGrpSpPr>
+        <p:cNvPr id="1" name=""/>
+        <p:cNvGrpSpPr/>
+        <p:nvPr/>
+      </p:nvGrpSpPr>
+      <p:grpSpPr>
+        <a:xfrm>
+          <a:off x="0" y="0"/>
+          <a:ext cx="0" cy="0"/>
+          <a:chOff x="0" y="0"/>
+          <a:chExt cx="0" cy="0"/>
+        </a:xfrm>
+      </p:grpSpPr>
+      <p:sp>
+        <p:nvSpPr>
+          <p:cNvPr id="2" name="Slide Image Placeholder 1"/>
+          <p:cNvSpPr>
+            <a:spLocks noGrp="1" noRot="1" noChangeAspect="1"/>
+          </p:cNvSpPr>
+          <p:nvPr>
+            <p:ph type="sldImg"/>
+          </p:nvPr>
+        </p:nvSpPr>
+        <p:spPr/>
+      </p:sp>
+      <p:sp>
+        <p:nvSpPr>
+          <p:cNvPr id="3" name="Notes Placeholder 2"/>
+          <p:cNvSpPr>
+            <a:spLocks noGrp="1"/>
+          </p:cNvSpPr>
+          <p:nvPr>
+            <p:ph type="body" idx="1"/>
+          </p:nvPr>
+        </p:nvSpPr>
+        <p:spPr/>
+        <p:txBody>
+          <a:bodyPr/>
+          <a:lstStyle/>
+          <a:p>
+            <a:r>
+              <a:rPr lang="en-US" dirty="0"/>
+              <a:t>Solutions</a:t>
+            </a:r>
+          </a:p>
+          <a:p>
+            <a:r>
+              <a:rPr lang="en-US" dirty="0"/>
+              <a:t>http://www.agreatdaytocode.com/flexbox-froggy/</a:t>
+            </a:r>
+          </a:p>
+          <a:p>
+            <a:r>
+              <a:rPr lang="en-US" dirty="0"/>
+              <a:t>https://programmingmentor.com/post/playing-css-grid-garden/</a:t>
+            </a:r>
+          </a:p>
+          <a:p>
+            <a:endParaRPr lang="en-US" dirty="0"/>
+          </a:p>
+          <a:p>
+            <a:r>
+              <a:rPr lang="en-US" dirty="0"/>
+              <a:t>Grid</a:t>
+            </a:r>
+            <a:r>
+              <a:rPr lang="en-US" baseline="0" dirty="0"/>
+              <a:t> by Design is by Rachel Andrew</a:t>
+            </a:r>
+            <a:endParaRPr lang="en-US" dirty="0"/>
+          </a:p>
+          <a:p>
+            <a:endParaRPr lang="en-US" dirty="0"/>
+          </a:p>
+          <a:p>
+            <a:r>
+              <a:rPr lang="en-US" dirty="0" err="1"/>
+              <a:t>Rgot</a:t>
+            </a:r>
+            <a:r>
+              <a:rPr lang="en-US" baseline="0" dirty="0"/>
+              <a:t> notes from Richard lock</a:t>
+            </a:r>
+            <a:endParaRPr lang="en-US" dirty="0"/>
+          </a:p>
+        </p:txBody>
+      </p:sp>
+      <p:sp>
+        <p:nvSpPr>
+          <p:cNvPr id="4" name="Slide Number Placeholder 3"/>
+          <p:cNvSpPr>
+            <a:spLocks noGrp="1"/>
+          </p:cNvSpPr>
+          <p:nvPr>
+            <p:ph type="sldNum" sz="quarter" idx="10"/>
+          </p:nvPr>
+        </p:nvSpPr>
+        <p:spPr/>
+        <p:txBody>
+          <a:bodyPr/>
+          <a:lstStyle/>
+          <a:p>
+            <a:fld id="{C5D4E551-1A58-3747-B1EC-993A1D0912CC}" type="slidenum">
+              <a:rPr lang="en-US" smtClean="0"/>
+              <a:t>7</a:t>
             </a:fld>
             <a:endParaRPr lang="en-US"/>
           </a:p>
@@ -1032,7 +1574,7 @@
             <a:fld id="{87DE6118-2437-4B30-8E3C-4D2BE6020583}" type="datetimeFigureOut">
               <a:rPr lang="en-US" dirty="0"/>
               <a:pPr/>
-              <a:t>6/4/18</a:t>
+              <a:t>6/5/2018</a:t>
             </a:fld>
             <a:endParaRPr lang="en-US" dirty="0"/>
           </a:p>
@@ -1358,7 +1900,7 @@
           <a:p>
             <a:fld id="{87DE6118-2437-4B30-8E3C-4D2BE6020583}" type="datetimeFigureOut">
               <a:rPr lang="en-US" dirty="0"/>
-              <a:t>6/4/18</a:t>
+              <a:t>6/5/2018</a:t>
             </a:fld>
             <a:endParaRPr lang="en-US" dirty="0"/>
           </a:p>
@@ -1533,7 +2075,7 @@
           <a:p>
             <a:fld id="{87DE6118-2437-4B30-8E3C-4D2BE6020583}" type="datetimeFigureOut">
               <a:rPr lang="en-US" dirty="0"/>
-              <a:t>6/4/18</a:t>
+              <a:t>6/5/2018</a:t>
             </a:fld>
             <a:endParaRPr lang="en-US" dirty="0"/>
           </a:p>
@@ -1698,7 +2240,7 @@
           <a:p>
             <a:fld id="{87DE6118-2437-4B30-8E3C-4D2BE6020583}" type="datetimeFigureOut">
               <a:rPr lang="en-US" dirty="0"/>
-              <a:t>6/4/18</a:t>
+              <a:t>6/5/2018</a:t>
             </a:fld>
             <a:endParaRPr lang="en-US" dirty="0"/>
           </a:p>
@@ -1971,7 +2513,7 @@
             <a:fld id="{87DE6118-2437-4B30-8E3C-4D2BE6020583}" type="datetimeFigureOut">
               <a:rPr lang="en-US" dirty="0"/>
               <a:pPr/>
-              <a:t>6/4/18</a:t>
+              <a:t>6/5/2018</a:t>
             </a:fld>
             <a:endParaRPr lang="en-US" dirty="0"/>
           </a:p>
@@ -2361,7 +2903,7 @@
           <a:p>
             <a:fld id="{87DE6118-2437-4B30-8E3C-4D2BE6020583}" type="datetimeFigureOut">
               <a:rPr lang="en-US" dirty="0"/>
-              <a:t>6/4/18</a:t>
+              <a:t>6/5/2018</a:t>
             </a:fld>
             <a:endParaRPr lang="en-US" dirty="0"/>
           </a:p>
@@ -2833,7 +3375,7 @@
           <a:p>
             <a:fld id="{87DE6118-2437-4B30-8E3C-4D2BE6020583}" type="datetimeFigureOut">
               <a:rPr lang="en-US" dirty="0"/>
-              <a:t>6/4/18</a:t>
+              <a:t>6/5/2018</a:t>
             </a:fld>
             <a:endParaRPr lang="en-US" dirty="0"/>
           </a:p>
@@ -2946,7 +3488,7 @@
           <a:p>
             <a:fld id="{87DE6118-2437-4B30-8E3C-4D2BE6020583}" type="datetimeFigureOut">
               <a:rPr lang="en-US" dirty="0"/>
-              <a:t>6/4/18</a:t>
+              <a:t>6/5/2018</a:t>
             </a:fld>
             <a:endParaRPr lang="en-US" dirty="0"/>
           </a:p>
@@ -3036,7 +3578,7 @@
           <a:p>
             <a:fld id="{87DE6118-2437-4B30-8E3C-4D2BE6020583}" type="datetimeFigureOut">
               <a:rPr lang="en-US" dirty="0"/>
-              <a:t>6/4/18</a:t>
+              <a:t>6/5/2018</a:t>
             </a:fld>
             <a:endParaRPr lang="en-US" dirty="0"/>
           </a:p>
@@ -3378,7 +3920,7 @@
             <a:fld id="{87DE6118-2437-4B30-8E3C-4D2BE6020583}" type="datetimeFigureOut">
               <a:rPr lang="en-US" dirty="0"/>
               <a:pPr/>
-              <a:t>6/4/18</a:t>
+              <a:t>6/5/2018</a:t>
             </a:fld>
             <a:endParaRPr lang="en-US" dirty="0"/>
           </a:p>
@@ -3763,7 +4305,7 @@
             <a:fld id="{87DE6118-2437-4B30-8E3C-4D2BE6020583}" type="datetimeFigureOut">
               <a:rPr lang="en-US" dirty="0"/>
               <a:pPr/>
-              <a:t>6/4/18</a:t>
+              <a:t>6/5/2018</a:t>
             </a:fld>
             <a:endParaRPr lang="en-US" dirty="0"/>
           </a:p>
@@ -4038,7 +4580,7 @@
             <a:fld id="{87DE6118-2437-4B30-8E3C-4D2BE6020583}" type="datetimeFigureOut">
               <a:rPr lang="en-US" dirty="0"/>
               <a:pPr/>
-              <a:t>6/4/18</a:t>
+              <a:t>6/5/2018</a:t>
             </a:fld>
             <a:endParaRPr lang="en-US" dirty="0"/>
           </a:p>
@@ -4647,6 +5189,113 @@
       </p:grpSpPr>
       <p:sp>
         <p:nvSpPr>
+          <p:cNvPr id="2" name="Title 1">
+            <a:extLst>
+              <a:ext uri="{FF2B5EF4-FFF2-40B4-BE49-F238E27FC236}">
+                <a16:creationId xmlns:a16="http://schemas.microsoft.com/office/drawing/2014/main" id="{7B3787E0-196A-4695-8B2D-4ED1AB62BA16}"/>
+              </a:ext>
+            </a:extLst>
+          </p:cNvPr>
+          <p:cNvSpPr>
+            <a:spLocks noGrp="1"/>
+          </p:cNvSpPr>
+          <p:nvPr>
+            <p:ph type="title"/>
+          </p:nvPr>
+        </p:nvSpPr>
+        <p:spPr/>
+        <p:txBody>
+          <a:bodyPr/>
+          <a:lstStyle/>
+          <a:p>
+            <a:r>
+              <a:rPr lang="en-US" dirty="0"/>
+              <a:t>What is CSS Grid and why do I want it?</a:t>
+            </a:r>
+          </a:p>
+        </p:txBody>
+      </p:sp>
+      <p:pic>
+        <p:nvPicPr>
+          <p:cNvPr id="2052" name="Picture 4" descr="https://pics.me.me/bootstrap-float-absolute-css-grid-flexbox-object-fit-learning-css-31940259.png">
+            <a:extLst>
+              <a:ext uri="{FF2B5EF4-FFF2-40B4-BE49-F238E27FC236}">
+                <a16:creationId xmlns:a16="http://schemas.microsoft.com/office/drawing/2014/main" id="{E9E98CD1-9A84-4D7A-AE7B-74FD76C16517}"/>
+              </a:ext>
+            </a:extLst>
+          </p:cNvPr>
+          <p:cNvPicPr>
+            <a:picLocks noGrp="1" noChangeAspect="1" noChangeArrowheads="1"/>
+          </p:cNvPicPr>
+          <p:nvPr>
+            <p:ph idx="1"/>
+          </p:nvPr>
+        </p:nvPicPr>
+        <p:blipFill>
+          <a:blip r:embed="rId3">
+            <a:extLst>
+              <a:ext uri="{28A0092B-C50C-407E-A947-70E740481C1C}">
+                <a14:useLocalDpi xmlns:a14="http://schemas.microsoft.com/office/drawing/2010/main" val="0"/>
+              </a:ext>
+            </a:extLst>
+          </a:blip>
+          <a:srcRect/>
+          <a:stretch>
+            <a:fillRect/>
+          </a:stretch>
+        </p:blipFill>
+        <p:spPr bwMode="auto">
+          <a:xfrm>
+            <a:off x="2082379" y="1428750"/>
+            <a:ext cx="8027241" cy="6405739"/>
+          </a:xfrm>
+          <a:prstGeom prst="rect">
+            <a:avLst/>
+          </a:prstGeom>
+          <a:noFill/>
+          <a:extLst>
+            <a:ext uri="{909E8E84-426E-40DD-AFC4-6F175D3DCCD1}">
+              <a14:hiddenFill xmlns:a14="http://schemas.microsoft.com/office/drawing/2010/main">
+                <a:solidFill>
+                  <a:srgbClr val="FFFFFF"/>
+                </a:solidFill>
+              </a14:hiddenFill>
+            </a:ext>
+          </a:extLst>
+        </p:spPr>
+      </p:pic>
+    </p:spTree>
+    <p:extLst>
+      <p:ext uri="{BB962C8B-B14F-4D97-AF65-F5344CB8AC3E}">
+        <p14:creationId xmlns:p14="http://schemas.microsoft.com/office/powerpoint/2010/main" val="1488476967"/>
+      </p:ext>
+    </p:extLst>
+  </p:cSld>
+  <p:clrMapOvr>
+    <a:masterClrMapping/>
+  </p:clrMapOvr>
+</p:sld>
+</file>
+
+<file path=ppt/slides/slide3.xml><?xml version="1.0" encoding="utf-8"?>
+<p:sld xmlns:a="http://schemas.openxmlformats.org/drawingml/2006/main" xmlns:r="http://schemas.openxmlformats.org/officeDocument/2006/relationships" xmlns:p="http://schemas.openxmlformats.org/presentationml/2006/main">
+  <p:cSld>
+    <p:spTree>
+      <p:nvGrpSpPr>
+        <p:cNvPr id="1" name=""/>
+        <p:cNvGrpSpPr/>
+        <p:nvPr/>
+      </p:nvGrpSpPr>
+      <p:grpSpPr>
+        <a:xfrm>
+          <a:off x="0" y="0"/>
+          <a:ext cx="0" cy="0"/>
+          <a:chOff x="0" y="0"/>
+          <a:chExt cx="0" cy="0"/>
+        </a:xfrm>
+      </p:grpSpPr>
+      <p:sp>
+        <p:nvSpPr>
           <p:cNvPr id="2" name="Title 1"/>
           <p:cNvSpPr>
             <a:spLocks noGrp="1"/>
@@ -4811,12 +5460,8 @@
           </a:p>
           <a:p>
             <a:r>
-              <a:rPr lang="en-US"/>
-              <a:t>Greater </a:t>
-            </a:r>
-            <a:r>
-              <a:rPr lang="en-US" dirty="0"/>
-              <a:t>support just this year</a:t>
+              <a:rPr lang="en-US" dirty="0"/>
+              <a:t>Greater support just this year</a:t>
             </a:r>
           </a:p>
           <a:p>
@@ -5483,7 +6128,428 @@
 </p:sld>
 </file>
 
-<file path=ppt/slides/slide3.xml><?xml version="1.0" encoding="utf-8"?>
+<file path=ppt/slides/slide4.xml><?xml version="1.0" encoding="utf-8"?>
+<p:sld xmlns:a="http://schemas.openxmlformats.org/drawingml/2006/main" xmlns:r="http://schemas.openxmlformats.org/officeDocument/2006/relationships" xmlns:p="http://schemas.openxmlformats.org/presentationml/2006/main">
+  <p:cSld>
+    <p:spTree>
+      <p:nvGrpSpPr>
+        <p:cNvPr id="1" name=""/>
+        <p:cNvGrpSpPr/>
+        <p:nvPr/>
+      </p:nvGrpSpPr>
+      <p:grpSpPr>
+        <a:xfrm>
+          <a:off x="0" y="0"/>
+          <a:ext cx="0" cy="0"/>
+          <a:chOff x="0" y="0"/>
+          <a:chExt cx="0" cy="0"/>
+        </a:xfrm>
+      </p:grpSpPr>
+      <p:sp>
+        <p:nvSpPr>
+          <p:cNvPr id="4" name="Title 3">
+            <a:extLst>
+              <a:ext uri="{FF2B5EF4-FFF2-40B4-BE49-F238E27FC236}">
+                <a16:creationId xmlns:a16="http://schemas.microsoft.com/office/drawing/2014/main" id="{713353E2-74B4-4A82-9909-A292013ECDB8}"/>
+              </a:ext>
+            </a:extLst>
+          </p:cNvPr>
+          <p:cNvSpPr>
+            <a:spLocks noGrp="1"/>
+          </p:cNvSpPr>
+          <p:nvPr>
+            <p:ph type="title"/>
+          </p:nvPr>
+        </p:nvSpPr>
+        <p:spPr/>
+        <p:txBody>
+          <a:bodyPr/>
+          <a:lstStyle/>
+          <a:p>
+            <a:r>
+              <a:rPr lang="en-US" dirty="0"/>
+              <a:t>Why not Bootstrap?</a:t>
+            </a:r>
+          </a:p>
+        </p:txBody>
+      </p:sp>
+      <p:pic>
+        <p:nvPicPr>
+          <p:cNvPr id="8" name="Picture 2" descr="https://cdn-images-1.medium.com/max/1600/1*DDEzyfi_UqN40GNHn9bGIQ.png">
+            <a:extLst>
+              <a:ext uri="{FF2B5EF4-FFF2-40B4-BE49-F238E27FC236}">
+                <a16:creationId xmlns:a16="http://schemas.microsoft.com/office/drawing/2014/main" id="{28C88B87-9973-4BED-AFCA-B446FF7BC77A}"/>
+              </a:ext>
+            </a:extLst>
+          </p:cNvPr>
+          <p:cNvPicPr>
+            <a:picLocks noGrp="1" noChangeAspect="1" noChangeArrowheads="1"/>
+          </p:cNvPicPr>
+          <p:nvPr>
+            <p:ph sz="half" idx="1"/>
+          </p:nvPr>
+        </p:nvPicPr>
+        <p:blipFill>
+          <a:blip r:embed="rId3">
+            <a:extLst>
+              <a:ext uri="{28A0092B-C50C-407E-A947-70E740481C1C}">
+                <a14:useLocalDpi xmlns:a14="http://schemas.microsoft.com/office/drawing/2010/main" val="0"/>
+              </a:ext>
+            </a:extLst>
+          </a:blip>
+          <a:srcRect/>
+          <a:stretch>
+            <a:fillRect/>
+          </a:stretch>
+        </p:blipFill>
+        <p:spPr bwMode="auto">
+          <a:xfrm>
+            <a:off x="1371600" y="3414840"/>
+            <a:ext cx="4448175" cy="1323719"/>
+          </a:xfrm>
+          <a:prstGeom prst="rect">
+            <a:avLst/>
+          </a:prstGeom>
+          <a:noFill/>
+          <a:extLst>
+            <a:ext uri="{909E8E84-426E-40DD-AFC4-6F175D3DCCD1}">
+              <a14:hiddenFill xmlns:a14="http://schemas.microsoft.com/office/drawing/2010/main">
+                <a:solidFill>
+                  <a:srgbClr val="FFFFFF"/>
+                </a:solidFill>
+              </a14:hiddenFill>
+            </a:ext>
+          </a:extLst>
+        </p:spPr>
+      </p:pic>
+      <p:pic>
+        <p:nvPicPr>
+          <p:cNvPr id="1028" name="Picture 4" descr="https://cdn-images-1.medium.com/max/1600/1*Qx8HqZRFD4GnPr8spuh-rw.png">
+            <a:extLst>
+              <a:ext uri="{FF2B5EF4-FFF2-40B4-BE49-F238E27FC236}">
+                <a16:creationId xmlns:a16="http://schemas.microsoft.com/office/drawing/2014/main" id="{36CDC985-CE2B-452B-8032-61F2D236957B}"/>
+              </a:ext>
+            </a:extLst>
+          </p:cNvPr>
+          <p:cNvPicPr>
+            <a:picLocks noChangeAspect="1" noChangeArrowheads="1"/>
+          </p:cNvPicPr>
+          <p:nvPr/>
+        </p:nvPicPr>
+        <p:blipFill>
+          <a:blip r:embed="rId4">
+            <a:extLst>
+              <a:ext uri="{28A0092B-C50C-407E-A947-70E740481C1C}">
+                <a14:useLocalDpi xmlns:a14="http://schemas.microsoft.com/office/drawing/2010/main" val="0"/>
+              </a:ext>
+            </a:extLst>
+          </a:blip>
+          <a:srcRect/>
+          <a:stretch>
+            <a:fillRect/>
+          </a:stretch>
+        </p:blipFill>
+        <p:spPr bwMode="auto">
+          <a:xfrm>
+            <a:off x="1371599" y="4978397"/>
+            <a:ext cx="9601200" cy="697183"/>
+          </a:xfrm>
+          <a:prstGeom prst="rect">
+            <a:avLst/>
+          </a:prstGeom>
+          <a:noFill/>
+          <a:extLst>
+            <a:ext uri="{909E8E84-426E-40DD-AFC4-6F175D3DCCD1}">
+              <a14:hiddenFill xmlns:a14="http://schemas.microsoft.com/office/drawing/2010/main">
+                <a:solidFill>
+                  <a:srgbClr val="FFFFFF"/>
+                </a:solidFill>
+              </a14:hiddenFill>
+            </a:ext>
+          </a:extLst>
+        </p:spPr>
+      </p:pic>
+      <p:pic>
+        <p:nvPicPr>
+          <p:cNvPr id="1030" name="Picture 6" descr="https://cdn-images-1.medium.com/max/1200/1*CRx4NN3ZuNeOFht4FolweQ.png">
+            <a:extLst>
+              <a:ext uri="{FF2B5EF4-FFF2-40B4-BE49-F238E27FC236}">
+                <a16:creationId xmlns:a16="http://schemas.microsoft.com/office/drawing/2014/main" id="{0799D8C5-8E63-4891-9C52-B87DEB4C90F4}"/>
+              </a:ext>
+            </a:extLst>
+          </p:cNvPr>
+          <p:cNvPicPr>
+            <a:picLocks noGrp="1" noChangeAspect="1" noChangeArrowheads="1"/>
+          </p:cNvPicPr>
+          <p:nvPr>
+            <p:ph sz="half" idx="2"/>
+          </p:nvPr>
+        </p:nvPicPr>
+        <p:blipFill>
+          <a:blip r:embed="rId5">
+            <a:extLst>
+              <a:ext uri="{28A0092B-C50C-407E-A947-70E740481C1C}">
+                <a14:useLocalDpi xmlns:a14="http://schemas.microsoft.com/office/drawing/2010/main" val="0"/>
+              </a:ext>
+            </a:extLst>
+          </a:blip>
+          <a:srcRect/>
+          <a:stretch>
+            <a:fillRect/>
+          </a:stretch>
+        </p:blipFill>
+        <p:spPr bwMode="auto">
+          <a:xfrm>
+            <a:off x="6524625" y="3504677"/>
+            <a:ext cx="4448175" cy="1144045"/>
+          </a:xfrm>
+          <a:prstGeom prst="rect">
+            <a:avLst/>
+          </a:prstGeom>
+          <a:noFill/>
+          <a:extLst>
+            <a:ext uri="{909E8E84-426E-40DD-AFC4-6F175D3DCCD1}">
+              <a14:hiddenFill xmlns:a14="http://schemas.microsoft.com/office/drawing/2010/main">
+                <a:solidFill>
+                  <a:srgbClr val="FFFFFF"/>
+                </a:solidFill>
+              </a14:hiddenFill>
+            </a:ext>
+          </a:extLst>
+        </p:spPr>
+      </p:pic>
+    </p:spTree>
+    <p:extLst>
+      <p:ext uri="{BB962C8B-B14F-4D97-AF65-F5344CB8AC3E}">
+        <p14:creationId xmlns:p14="http://schemas.microsoft.com/office/powerpoint/2010/main" val="3728174420"/>
+      </p:ext>
+    </p:extLst>
+  </p:cSld>
+  <p:clrMapOvr>
+    <a:masterClrMapping/>
+  </p:clrMapOvr>
+</p:sld>
+</file>
+
+<file path=ppt/slides/slide5.xml><?xml version="1.0" encoding="utf-8"?>
+<p:sld xmlns:a="http://schemas.openxmlformats.org/drawingml/2006/main" xmlns:r="http://schemas.openxmlformats.org/officeDocument/2006/relationships" xmlns:p="http://schemas.openxmlformats.org/presentationml/2006/main">
+  <p:cSld>
+    <p:spTree>
+      <p:nvGrpSpPr>
+        <p:cNvPr id="1" name=""/>
+        <p:cNvGrpSpPr/>
+        <p:nvPr/>
+      </p:nvGrpSpPr>
+      <p:grpSpPr>
+        <a:xfrm>
+          <a:off x="0" y="0"/>
+          <a:ext cx="0" cy="0"/>
+          <a:chOff x="0" y="0"/>
+          <a:chExt cx="0" cy="0"/>
+        </a:xfrm>
+      </p:grpSpPr>
+      <p:sp>
+        <p:nvSpPr>
+          <p:cNvPr id="7" name="Title 6">
+            <a:extLst>
+              <a:ext uri="{FF2B5EF4-FFF2-40B4-BE49-F238E27FC236}">
+                <a16:creationId xmlns:a16="http://schemas.microsoft.com/office/drawing/2014/main" id="{FD73D66C-7AF2-41F5-99C8-9C128C7DF854}"/>
+              </a:ext>
+            </a:extLst>
+          </p:cNvPr>
+          <p:cNvSpPr>
+            <a:spLocks noGrp="1"/>
+          </p:cNvSpPr>
+          <p:nvPr>
+            <p:ph type="title"/>
+          </p:nvPr>
+        </p:nvSpPr>
+        <p:spPr/>
+        <p:txBody>
+          <a:bodyPr/>
+          <a:lstStyle/>
+          <a:p>
+            <a:r>
+              <a:rPr lang="en-US" dirty="0"/>
+              <a:t>Is Grid ready for prime time?</a:t>
+            </a:r>
+          </a:p>
+        </p:txBody>
+      </p:sp>
+      <p:pic>
+        <p:nvPicPr>
+          <p:cNvPr id="10" name="Content Placeholder 9">
+            <a:extLst>
+              <a:ext uri="{FF2B5EF4-FFF2-40B4-BE49-F238E27FC236}">
+                <a16:creationId xmlns:a16="http://schemas.microsoft.com/office/drawing/2014/main" id="{994DEC88-1580-4C91-BF01-619E49F6ED4F}"/>
+              </a:ext>
+            </a:extLst>
+          </p:cNvPr>
+          <p:cNvPicPr>
+            <a:picLocks noGrp="1" noChangeAspect="1"/>
+          </p:cNvPicPr>
+          <p:nvPr>
+            <p:ph idx="1"/>
+          </p:nvPr>
+        </p:nvPicPr>
+        <p:blipFill>
+          <a:blip r:embed="rId3"/>
+          <a:stretch>
+            <a:fillRect/>
+          </a:stretch>
+        </p:blipFill>
+        <p:spPr>
+          <a:xfrm>
+            <a:off x="1419225" y="2871787"/>
+            <a:ext cx="9505950" cy="2409825"/>
+          </a:xfrm>
+          <a:prstGeom prst="rect">
+            <a:avLst/>
+          </a:prstGeom>
+        </p:spPr>
+      </p:pic>
+    </p:spTree>
+    <p:extLst>
+      <p:ext uri="{BB962C8B-B14F-4D97-AF65-F5344CB8AC3E}">
+        <p14:creationId xmlns:p14="http://schemas.microsoft.com/office/powerpoint/2010/main" val="1794326494"/>
+      </p:ext>
+    </p:extLst>
+  </p:cSld>
+  <p:clrMapOvr>
+    <a:masterClrMapping/>
+  </p:clrMapOvr>
+</p:sld>
+</file>
+
+<file path=ppt/slides/slide6.xml><?xml version="1.0" encoding="utf-8"?>
+<p:sld xmlns:a="http://schemas.openxmlformats.org/drawingml/2006/main" xmlns:r="http://schemas.openxmlformats.org/officeDocument/2006/relationships" xmlns:p="http://schemas.openxmlformats.org/presentationml/2006/main">
+  <p:cSld>
+    <p:spTree>
+      <p:nvGrpSpPr>
+        <p:cNvPr id="1" name=""/>
+        <p:cNvGrpSpPr/>
+        <p:nvPr/>
+      </p:nvGrpSpPr>
+      <p:grpSpPr>
+        <a:xfrm>
+          <a:off x="0" y="0"/>
+          <a:ext cx="0" cy="0"/>
+          <a:chOff x="0" y="0"/>
+          <a:chExt cx="0" cy="0"/>
+        </a:xfrm>
+      </p:grpSpPr>
+      <p:sp>
+        <p:nvSpPr>
+          <p:cNvPr id="2" name="Title 1">
+            <a:extLst>
+              <a:ext uri="{FF2B5EF4-FFF2-40B4-BE49-F238E27FC236}">
+                <a16:creationId xmlns:a16="http://schemas.microsoft.com/office/drawing/2014/main" id="{81860DFF-9385-4ACE-AC7F-BBD51013556F}"/>
+              </a:ext>
+            </a:extLst>
+          </p:cNvPr>
+          <p:cNvSpPr>
+            <a:spLocks noGrp="1"/>
+          </p:cNvSpPr>
+          <p:nvPr>
+            <p:ph type="title"/>
+          </p:nvPr>
+        </p:nvSpPr>
+        <p:spPr/>
+        <p:txBody>
+          <a:bodyPr/>
+          <a:lstStyle/>
+          <a:p>
+            <a:r>
+              <a:rPr lang="en-US" dirty="0"/>
+              <a:t>Terminology</a:t>
+            </a:r>
+          </a:p>
+        </p:txBody>
+      </p:sp>
+      <p:sp>
+        <p:nvSpPr>
+          <p:cNvPr id="3" name="Content Placeholder 2">
+            <a:extLst>
+              <a:ext uri="{FF2B5EF4-FFF2-40B4-BE49-F238E27FC236}">
+                <a16:creationId xmlns:a16="http://schemas.microsoft.com/office/drawing/2014/main" id="{7CCBF66C-B0A8-45DA-825D-77F9E459E123}"/>
+              </a:ext>
+            </a:extLst>
+          </p:cNvPr>
+          <p:cNvSpPr>
+            <a:spLocks noGrp="1"/>
+          </p:cNvSpPr>
+          <p:nvPr>
+            <p:ph idx="1"/>
+          </p:nvPr>
+        </p:nvSpPr>
+        <p:spPr/>
+        <p:txBody>
+          <a:bodyPr/>
+          <a:lstStyle/>
+          <a:p>
+            <a:r>
+              <a:rPr lang="en-US" dirty="0"/>
+              <a:t>Grid Container</a:t>
+            </a:r>
+          </a:p>
+          <a:p>
+            <a:r>
+              <a:rPr lang="en-US" dirty="0"/>
+              <a:t>Grid Item</a:t>
+            </a:r>
+          </a:p>
+          <a:p>
+            <a:r>
+              <a:rPr lang="en-US" dirty="0"/>
+              <a:t>Grid Line</a:t>
+            </a:r>
+          </a:p>
+          <a:p>
+            <a:r>
+              <a:rPr lang="en-US" dirty="0"/>
+              <a:t>Grid Cell</a:t>
+            </a:r>
+          </a:p>
+          <a:p>
+            <a:r>
+              <a:rPr lang="en-US" dirty="0"/>
+              <a:t>Grid Track</a:t>
+            </a:r>
+          </a:p>
+          <a:p>
+            <a:r>
+              <a:rPr lang="en-US" dirty="0"/>
+              <a:t>Grid Area</a:t>
+            </a:r>
+          </a:p>
+          <a:p>
+            <a:r>
+              <a:rPr lang="en-US" dirty="0"/>
+              <a:t>Grid Gap</a:t>
+            </a:r>
+          </a:p>
+          <a:p>
+            <a:r>
+              <a:rPr lang="en-US" dirty="0"/>
+              <a:t>Implicit Lines</a:t>
+            </a:r>
+          </a:p>
+        </p:txBody>
+      </p:sp>
+    </p:spTree>
+    <p:extLst>
+      <p:ext uri="{BB962C8B-B14F-4D97-AF65-F5344CB8AC3E}">
+        <p14:creationId xmlns:p14="http://schemas.microsoft.com/office/powerpoint/2010/main" val="2852335044"/>
+      </p:ext>
+    </p:extLst>
+  </p:cSld>
+  <p:clrMapOvr>
+    <a:masterClrMapping/>
+  </p:clrMapOvr>
+</p:sld>
+</file>
+
+<file path=ppt/slides/slide7.xml><?xml version="1.0" encoding="utf-8"?>
 <p:sld xmlns:a="http://schemas.openxmlformats.org/drawingml/2006/main" xmlns:r="http://schemas.openxmlformats.org/officeDocument/2006/relationships" xmlns:p="http://schemas.openxmlformats.org/presentationml/2006/main">
   <p:cSld>
     <p:spTree>

--- a/Grid.pptx
+++ b/Grid.pptx
@@ -5,7 +5,7 @@
     <p:sldMasterId id="2147483648" r:id="rId1"/>
   </p:sldMasterIdLst>
   <p:notesMasterIdLst>
-    <p:notesMasterId r:id="rId9"/>
+    <p:notesMasterId r:id="rId10"/>
   </p:notesMasterIdLst>
   <p:sldIdLst>
     <p:sldId id="256" r:id="rId2"/>
@@ -15,6 +15,7 @@
     <p:sldId id="264" r:id="rId6"/>
     <p:sldId id="262" r:id="rId7"/>
     <p:sldId id="260" r:id="rId8"/>
+    <p:sldId id="266" r:id="rId9"/>
   </p:sldIdLst>
   <p:sldSz cx="12192000" cy="6858000"/>
   <p:notesSz cx="6858000" cy="9144000"/>
@@ -203,7 +204,7 @@
           <a:p>
             <a:fld id="{3D2B48DD-5806-E040-BB46-CF7EF7496337}" type="datetimeFigureOut">
               <a:rPr lang="en-US" smtClean="0"/>
-              <a:t>6/5/2018</a:t>
+              <a:t>6/6/2018</a:t>
             </a:fld>
             <a:endParaRPr lang="en-US"/>
           </a:p>
@@ -1329,12 +1330,6 @@
           <a:p>
             <a:r>
               <a:rPr lang="en-US" dirty="0"/>
-              <a:t>http://www.agreatdaytocode.com/flexbox-froggy/</a:t>
-            </a:r>
-          </a:p>
-          <a:p>
-            <a:r>
-              <a:rPr lang="en-US" dirty="0"/>
               <a:t>https://programmingmentor.com/post/playing-css-grid-garden/</a:t>
             </a:r>
           </a:p>
@@ -1353,17 +1348,6 @@
             <a:endParaRPr lang="en-US" dirty="0"/>
           </a:p>
           <a:p>
-            <a:endParaRPr lang="en-US" dirty="0"/>
-          </a:p>
-          <a:p>
-            <a:r>
-              <a:rPr lang="en-US" dirty="0" err="1"/>
-              <a:t>Rgot</a:t>
-            </a:r>
-            <a:r>
-              <a:rPr lang="en-US" baseline="0" dirty="0"/>
-              <a:t> notes from Richard lock</a:t>
-            </a:r>
             <a:endParaRPr lang="en-US" dirty="0"/>
           </a:p>
         </p:txBody>
@@ -1574,7 +1558,7 @@
             <a:fld id="{87DE6118-2437-4B30-8E3C-4D2BE6020583}" type="datetimeFigureOut">
               <a:rPr lang="en-US" dirty="0"/>
               <a:pPr/>
-              <a:t>6/5/2018</a:t>
+              <a:t>6/6/2018</a:t>
             </a:fld>
             <a:endParaRPr lang="en-US" dirty="0"/>
           </a:p>
@@ -1900,7 +1884,7 @@
           <a:p>
             <a:fld id="{87DE6118-2437-4B30-8E3C-4D2BE6020583}" type="datetimeFigureOut">
               <a:rPr lang="en-US" dirty="0"/>
-              <a:t>6/5/2018</a:t>
+              <a:t>6/6/2018</a:t>
             </a:fld>
             <a:endParaRPr lang="en-US" dirty="0"/>
           </a:p>
@@ -2075,7 +2059,7 @@
           <a:p>
             <a:fld id="{87DE6118-2437-4B30-8E3C-4D2BE6020583}" type="datetimeFigureOut">
               <a:rPr lang="en-US" dirty="0"/>
-              <a:t>6/5/2018</a:t>
+              <a:t>6/6/2018</a:t>
             </a:fld>
             <a:endParaRPr lang="en-US" dirty="0"/>
           </a:p>
@@ -2240,7 +2224,7 @@
           <a:p>
             <a:fld id="{87DE6118-2437-4B30-8E3C-4D2BE6020583}" type="datetimeFigureOut">
               <a:rPr lang="en-US" dirty="0"/>
-              <a:t>6/5/2018</a:t>
+              <a:t>6/6/2018</a:t>
             </a:fld>
             <a:endParaRPr lang="en-US" dirty="0"/>
           </a:p>
@@ -2513,7 +2497,7 @@
             <a:fld id="{87DE6118-2437-4B30-8E3C-4D2BE6020583}" type="datetimeFigureOut">
               <a:rPr lang="en-US" dirty="0"/>
               <a:pPr/>
-              <a:t>6/5/2018</a:t>
+              <a:t>6/6/2018</a:t>
             </a:fld>
             <a:endParaRPr lang="en-US" dirty="0"/>
           </a:p>
@@ -2903,7 +2887,7 @@
           <a:p>
             <a:fld id="{87DE6118-2437-4B30-8E3C-4D2BE6020583}" type="datetimeFigureOut">
               <a:rPr lang="en-US" dirty="0"/>
-              <a:t>6/5/2018</a:t>
+              <a:t>6/6/2018</a:t>
             </a:fld>
             <a:endParaRPr lang="en-US" dirty="0"/>
           </a:p>
@@ -3375,7 +3359,7 @@
           <a:p>
             <a:fld id="{87DE6118-2437-4B30-8E3C-4D2BE6020583}" type="datetimeFigureOut">
               <a:rPr lang="en-US" dirty="0"/>
-              <a:t>6/5/2018</a:t>
+              <a:t>6/6/2018</a:t>
             </a:fld>
             <a:endParaRPr lang="en-US" dirty="0"/>
           </a:p>
@@ -3488,7 +3472,7 @@
           <a:p>
             <a:fld id="{87DE6118-2437-4B30-8E3C-4D2BE6020583}" type="datetimeFigureOut">
               <a:rPr lang="en-US" dirty="0"/>
-              <a:t>6/5/2018</a:t>
+              <a:t>6/6/2018</a:t>
             </a:fld>
             <a:endParaRPr lang="en-US" dirty="0"/>
           </a:p>
@@ -3578,7 +3562,7 @@
           <a:p>
             <a:fld id="{87DE6118-2437-4B30-8E3C-4D2BE6020583}" type="datetimeFigureOut">
               <a:rPr lang="en-US" dirty="0"/>
-              <a:t>6/5/2018</a:t>
+              <a:t>6/6/2018</a:t>
             </a:fld>
             <a:endParaRPr lang="en-US" dirty="0"/>
           </a:p>
@@ -3920,7 +3904,7 @@
             <a:fld id="{87DE6118-2437-4B30-8E3C-4D2BE6020583}" type="datetimeFigureOut">
               <a:rPr lang="en-US" dirty="0"/>
               <a:pPr/>
-              <a:t>6/5/2018</a:t>
+              <a:t>6/6/2018</a:t>
             </a:fld>
             <a:endParaRPr lang="en-US" dirty="0"/>
           </a:p>
@@ -4305,7 +4289,7 @@
             <a:fld id="{87DE6118-2437-4B30-8E3C-4D2BE6020583}" type="datetimeFigureOut">
               <a:rPr lang="en-US" dirty="0"/>
               <a:pPr/>
-              <a:t>6/5/2018</a:t>
+              <a:t>6/6/2018</a:t>
             </a:fld>
             <a:endParaRPr lang="en-US" dirty="0"/>
           </a:p>
@@ -4580,7 +4564,7 @@
             <a:fld id="{87DE6118-2437-4B30-8E3C-4D2BE6020583}" type="datetimeFigureOut">
               <a:rPr lang="en-US" dirty="0"/>
               <a:pPr/>
-              <a:t>6/5/2018</a:t>
+              <a:t>6/6/2018</a:t>
             </a:fld>
             <a:endParaRPr lang="en-US" dirty="0"/>
           </a:p>
@@ -6328,6 +6312,195 @@
   <p:clrMapOvr>
     <a:masterClrMapping/>
   </p:clrMapOvr>
+  <p:timing>
+    <p:tnLst>
+      <p:par>
+        <p:cTn id="1" dur="indefinite" restart="never" nodeType="tmRoot">
+          <p:childTnLst>
+            <p:seq concurrent="1" nextAc="seek">
+              <p:cTn id="2" dur="indefinite" nodeType="mainSeq">
+                <p:childTnLst>
+                  <p:par>
+                    <p:cTn id="3" fill="hold">
+                      <p:stCondLst>
+                        <p:cond delay="indefinite"/>
+                      </p:stCondLst>
+                      <p:childTnLst>
+                        <p:par>
+                          <p:cTn id="4" fill="hold">
+                            <p:stCondLst>
+                              <p:cond delay="0"/>
+                            </p:stCondLst>
+                            <p:childTnLst>
+                              <p:par>
+                                <p:cTn id="5" presetID="10" presetClass="entr" presetSubtype="0" fill="hold" nodeType="clickEffect">
+                                  <p:stCondLst>
+                                    <p:cond delay="0"/>
+                                  </p:stCondLst>
+                                  <p:childTnLst>
+                                    <p:set>
+                                      <p:cBhvr>
+                                        <p:cTn id="6" dur="1" fill="hold">
+                                          <p:stCondLst>
+                                            <p:cond delay="0"/>
+                                          </p:stCondLst>
+                                        </p:cTn>
+                                        <p:tgtEl>
+                                          <p:spTgt spid="8"/>
+                                        </p:tgtEl>
+                                        <p:attrNameLst>
+                                          <p:attrName>style.visibility</p:attrName>
+                                        </p:attrNameLst>
+                                      </p:cBhvr>
+                                      <p:to>
+                                        <p:strVal val="visible"/>
+                                      </p:to>
+                                    </p:set>
+                                    <p:animEffect transition="in" filter="fade">
+                                      <p:cBhvr>
+                                        <p:cTn id="7" dur="500"/>
+                                        <p:tgtEl>
+                                          <p:spTgt spid="8"/>
+                                        </p:tgtEl>
+                                      </p:cBhvr>
+                                    </p:animEffect>
+                                  </p:childTnLst>
+                                </p:cTn>
+                              </p:par>
+                            </p:childTnLst>
+                          </p:cTn>
+                        </p:par>
+                      </p:childTnLst>
+                    </p:cTn>
+                  </p:par>
+                  <p:par>
+                    <p:cTn id="8" fill="hold">
+                      <p:stCondLst>
+                        <p:cond delay="indefinite"/>
+                      </p:stCondLst>
+                      <p:childTnLst>
+                        <p:par>
+                          <p:cTn id="9" fill="hold">
+                            <p:stCondLst>
+                              <p:cond delay="0"/>
+                            </p:stCondLst>
+                            <p:childTnLst>
+                              <p:par>
+                                <p:cTn id="10" presetID="10" presetClass="entr" presetSubtype="0" fill="hold" nodeType="clickEffect">
+                                  <p:stCondLst>
+                                    <p:cond delay="0"/>
+                                  </p:stCondLst>
+                                  <p:childTnLst>
+                                    <p:set>
+                                      <p:cBhvr>
+                                        <p:cTn id="11" dur="1" fill="hold">
+                                          <p:stCondLst>
+                                            <p:cond delay="0"/>
+                                          </p:stCondLst>
+                                        </p:cTn>
+                                        <p:tgtEl>
+                                          <p:spTgt spid="1030"/>
+                                        </p:tgtEl>
+                                        <p:attrNameLst>
+                                          <p:attrName>style.visibility</p:attrName>
+                                        </p:attrNameLst>
+                                      </p:cBhvr>
+                                      <p:to>
+                                        <p:strVal val="visible"/>
+                                      </p:to>
+                                    </p:set>
+                                    <p:animEffect transition="in" filter="fade">
+                                      <p:cBhvr>
+                                        <p:cTn id="12" dur="500"/>
+                                        <p:tgtEl>
+                                          <p:spTgt spid="1030"/>
+                                        </p:tgtEl>
+                                      </p:cBhvr>
+                                    </p:animEffect>
+                                  </p:childTnLst>
+                                </p:cTn>
+                              </p:par>
+                            </p:childTnLst>
+                          </p:cTn>
+                        </p:par>
+                      </p:childTnLst>
+                    </p:cTn>
+                  </p:par>
+                  <p:par>
+                    <p:cTn id="13" fill="hold">
+                      <p:stCondLst>
+                        <p:cond delay="indefinite"/>
+                      </p:stCondLst>
+                      <p:childTnLst>
+                        <p:par>
+                          <p:cTn id="14" fill="hold">
+                            <p:stCondLst>
+                              <p:cond delay="0"/>
+                            </p:stCondLst>
+                            <p:childTnLst>
+                              <p:par>
+                                <p:cTn id="15" presetID="10" presetClass="entr" presetSubtype="0" fill="hold" nodeType="clickEffect">
+                                  <p:stCondLst>
+                                    <p:cond delay="0"/>
+                                  </p:stCondLst>
+                                  <p:childTnLst>
+                                    <p:set>
+                                      <p:cBhvr>
+                                        <p:cTn id="16" dur="1" fill="hold">
+                                          <p:stCondLst>
+                                            <p:cond delay="0"/>
+                                          </p:stCondLst>
+                                        </p:cTn>
+                                        <p:tgtEl>
+                                          <p:spTgt spid="1028"/>
+                                        </p:tgtEl>
+                                        <p:attrNameLst>
+                                          <p:attrName>style.visibility</p:attrName>
+                                        </p:attrNameLst>
+                                      </p:cBhvr>
+                                      <p:to>
+                                        <p:strVal val="visible"/>
+                                      </p:to>
+                                    </p:set>
+                                    <p:animEffect transition="in" filter="fade">
+                                      <p:cBhvr>
+                                        <p:cTn id="17" dur="500"/>
+                                        <p:tgtEl>
+                                          <p:spTgt spid="1028"/>
+                                        </p:tgtEl>
+                                      </p:cBhvr>
+                                    </p:animEffect>
+                                  </p:childTnLst>
+                                </p:cTn>
+                              </p:par>
+                            </p:childTnLst>
+                          </p:cTn>
+                        </p:par>
+                      </p:childTnLst>
+                    </p:cTn>
+                  </p:par>
+                </p:childTnLst>
+              </p:cTn>
+              <p:prevCondLst>
+                <p:cond evt="onPrev" delay="0">
+                  <p:tgtEl>
+                    <p:sldTgt/>
+                  </p:tgtEl>
+                </p:cond>
+              </p:prevCondLst>
+              <p:nextCondLst>
+                <p:cond evt="onNext" delay="0">
+                  <p:tgtEl>
+                    <p:sldTgt/>
+                  </p:tgtEl>
+                </p:cond>
+              </p:nextCondLst>
+            </p:seq>
+          </p:childTnLst>
+        </p:cTn>
+      </p:par>
+    </p:tnLst>
+  </p:timing>
 </p:sld>
 </file>
 
@@ -6371,7 +6544,7 @@
           <a:p>
             <a:r>
               <a:rPr lang="en-US" dirty="0"/>
-              <a:t>Is Grid ready for prime time?</a:t>
+              <a:t>Is CSS Grid ready for prime time?</a:t>
             </a:r>
           </a:p>
         </p:txBody>
@@ -6623,7 +6796,7 @@
               <a:rPr lang="en-US" dirty="0">
                 <a:hlinkClick r:id="rId4"/>
               </a:rPr>
-              <a:t>https://gridbyexample.com/</a:t>
+              <a:t>https://css-tricks.com/snippets/css/complete-guide-grid/</a:t>
             </a:r>
             <a:endParaRPr lang="en-US" dirty="0"/>
           </a:p>
@@ -6632,16 +6805,16 @@
               <a:rPr lang="en-US" dirty="0">
                 <a:hlinkClick r:id="rId5"/>
               </a:rPr>
-              <a:t>https://css-tricks.com/snippets/css/complete-guide-grid/</a:t>
+              <a:t>https://gridbyexample.com/</a:t>
             </a:r>
             <a:endParaRPr lang="en-US" dirty="0"/>
           </a:p>
           <a:p>
             <a:r>
-              <a:rPr lang="en-US" dirty="0">
+              <a:rPr lang="en-US" u="sng" dirty="0">
                 <a:hlinkClick r:id="rId6"/>
               </a:rPr>
-              <a:t>http://cssgridgarden.com/</a:t>
+              <a:t>https://labs.jensimmons.com/</a:t>
             </a:r>
             <a:endParaRPr lang="en-US" dirty="0"/>
           </a:p>
@@ -6650,21 +6823,8 @@
               <a:rPr lang="en-US" dirty="0">
                 <a:hlinkClick r:id="rId7"/>
               </a:rPr>
-              <a:t>https://tutorialzine.com/2017/03/css-grid-vs-flexbox</a:t>
-            </a:r>
-          </a:p>
-          <a:p>
-            <a:r>
-              <a:rPr lang="en-US" dirty="0">
-                <a:hlinkClick r:id="rId7"/>
-              </a:rPr>
-              <a:t>http://bit.ly/css-grid-nebr-code</a:t>
-            </a:r>
-          </a:p>
-          <a:p>
-            <a:endParaRPr lang="en-US" dirty="0"/>
-          </a:p>
-          <a:p>
+              <a:t>http://cssgridgarden.com/</a:t>
+            </a:r>
             <a:endParaRPr lang="en-US" dirty="0"/>
           </a:p>
         </p:txBody>
@@ -6801,6 +6961,66 @@
       </p:transition>
     </mc:Fallback>
   </mc:AlternateContent>
+</p:sld>
+</file>
+
+<file path=ppt/slides/slide8.xml><?xml version="1.0" encoding="utf-8"?>
+<p:sld xmlns:a="http://schemas.openxmlformats.org/drawingml/2006/main" xmlns:r="http://schemas.openxmlformats.org/officeDocument/2006/relationships" xmlns:p="http://schemas.openxmlformats.org/presentationml/2006/main">
+  <p:cSld>
+    <p:spTree>
+      <p:nvGrpSpPr>
+        <p:cNvPr id="1" name=""/>
+        <p:cNvGrpSpPr/>
+        <p:nvPr/>
+      </p:nvGrpSpPr>
+      <p:grpSpPr>
+        <a:xfrm>
+          <a:off x="0" y="0"/>
+          <a:ext cx="0" cy="0"/>
+          <a:chOff x="0" y="0"/>
+          <a:chExt cx="0" cy="0"/>
+        </a:xfrm>
+      </p:grpSpPr>
+      <p:pic>
+        <p:nvPicPr>
+          <p:cNvPr id="8" name="Picture 7">
+            <a:extLst>
+              <a:ext uri="{FF2B5EF4-FFF2-40B4-BE49-F238E27FC236}">
+                <a16:creationId xmlns:a16="http://schemas.microsoft.com/office/drawing/2014/main" id="{7E9CB2A8-8CE4-48C8-A6BE-29774F7BB68A}"/>
+              </a:ext>
+            </a:extLst>
+          </p:cNvPr>
+          <p:cNvPicPr>
+            <a:picLocks noChangeAspect="1"/>
+          </p:cNvPicPr>
+          <p:nvPr/>
+        </p:nvPicPr>
+        <p:blipFill>
+          <a:blip r:embed="rId2"/>
+          <a:stretch>
+            <a:fillRect/>
+          </a:stretch>
+        </p:blipFill>
+        <p:spPr>
+          <a:xfrm>
+            <a:off x="4662" y="0"/>
+            <a:ext cx="12182676" cy="6858000"/>
+          </a:xfrm>
+          <a:prstGeom prst="rect">
+            <a:avLst/>
+          </a:prstGeom>
+        </p:spPr>
+      </p:pic>
+    </p:spTree>
+    <p:extLst>
+      <p:ext uri="{BB962C8B-B14F-4D97-AF65-F5344CB8AC3E}">
+        <p14:creationId xmlns:p14="http://schemas.microsoft.com/office/powerpoint/2010/main" val="2667841962"/>
+      </p:ext>
+    </p:extLst>
+  </p:cSld>
+  <p:clrMapOvr>
+    <a:masterClrMapping/>
+  </p:clrMapOvr>
 </p:sld>
 </file>
 
